--- a/01_Slides.pptx
+++ b/01_Slides.pptx
@@ -13,6 +13,7 @@
     <p:sldId id="262" r:id="rId7"/>
     <p:sldId id="263" r:id="rId8"/>
     <p:sldId id="264" r:id="rId9"/>
+    <p:sldId id="265" r:id="rId10"/>
   </p:sldIdLst>
   <p:sldSz cx="12192000" cy="6858000"/>
   <p:notesSz cx="6858000" cy="9144000"/>
@@ -111,6 +112,11 @@
       </a:defRPr>
     </a:lvl9pPr>
   </p:defaultTextStyle>
+  <p:extLst>
+    <p:ext uri="{EFAFB233-063F-42B5-8137-9DF3F51BA10A}">
+      <p15:sldGuideLst xmlns:p15="http://schemas.microsoft.com/office/powerpoint/2012/main"/>
+    </p:ext>
+  </p:extLst>
 </p:presentation>
 </file>
 
@@ -261,7 +267,7 @@
           <a:p>
             <a:fld id="{D68DCEDE-221D-4BDF-A183-BA38A9275A5C}" type="datetimeFigureOut">
               <a:rPr lang="en-US" smtClean="0"/>
-              <a:t>1/14/2020</a:t>
+              <a:t>1/25/2020</a:t>
             </a:fld>
             <a:endParaRPr lang="en-US"/>
           </a:p>
@@ -459,7 +465,7 @@
           <a:p>
             <a:fld id="{D68DCEDE-221D-4BDF-A183-BA38A9275A5C}" type="datetimeFigureOut">
               <a:rPr lang="en-US" smtClean="0"/>
-              <a:t>1/14/2020</a:t>
+              <a:t>1/25/2020</a:t>
             </a:fld>
             <a:endParaRPr lang="en-US"/>
           </a:p>
@@ -667,7 +673,7 @@
           <a:p>
             <a:fld id="{D68DCEDE-221D-4BDF-A183-BA38A9275A5C}" type="datetimeFigureOut">
               <a:rPr lang="en-US" smtClean="0"/>
-              <a:t>1/14/2020</a:t>
+              <a:t>1/25/2020</a:t>
             </a:fld>
             <a:endParaRPr lang="en-US"/>
           </a:p>
@@ -865,7 +871,7 @@
           <a:p>
             <a:fld id="{D68DCEDE-221D-4BDF-A183-BA38A9275A5C}" type="datetimeFigureOut">
               <a:rPr lang="en-US" smtClean="0"/>
-              <a:t>1/14/2020</a:t>
+              <a:t>1/25/2020</a:t>
             </a:fld>
             <a:endParaRPr lang="en-US"/>
           </a:p>
@@ -1140,7 +1146,7 @@
           <a:p>
             <a:fld id="{D68DCEDE-221D-4BDF-A183-BA38A9275A5C}" type="datetimeFigureOut">
               <a:rPr lang="en-US" smtClean="0"/>
-              <a:t>1/14/2020</a:t>
+              <a:t>1/25/2020</a:t>
             </a:fld>
             <a:endParaRPr lang="en-US"/>
           </a:p>
@@ -1405,7 +1411,7 @@
           <a:p>
             <a:fld id="{D68DCEDE-221D-4BDF-A183-BA38A9275A5C}" type="datetimeFigureOut">
               <a:rPr lang="en-US" smtClean="0"/>
-              <a:t>1/14/2020</a:t>
+              <a:t>1/25/2020</a:t>
             </a:fld>
             <a:endParaRPr lang="en-US"/>
           </a:p>
@@ -1817,7 +1823,7 @@
           <a:p>
             <a:fld id="{D68DCEDE-221D-4BDF-A183-BA38A9275A5C}" type="datetimeFigureOut">
               <a:rPr lang="en-US" smtClean="0"/>
-              <a:t>1/14/2020</a:t>
+              <a:t>1/25/2020</a:t>
             </a:fld>
             <a:endParaRPr lang="en-US"/>
           </a:p>
@@ -1958,7 +1964,7 @@
           <a:p>
             <a:fld id="{D68DCEDE-221D-4BDF-A183-BA38A9275A5C}" type="datetimeFigureOut">
               <a:rPr lang="en-US" smtClean="0"/>
-              <a:t>1/14/2020</a:t>
+              <a:t>1/25/2020</a:t>
             </a:fld>
             <a:endParaRPr lang="en-US"/>
           </a:p>
@@ -2071,7 +2077,7 @@
           <a:p>
             <a:fld id="{D68DCEDE-221D-4BDF-A183-BA38A9275A5C}" type="datetimeFigureOut">
               <a:rPr lang="en-US" smtClean="0"/>
-              <a:t>1/14/2020</a:t>
+              <a:t>1/25/2020</a:t>
             </a:fld>
             <a:endParaRPr lang="en-US"/>
           </a:p>
@@ -2382,7 +2388,7 @@
           <a:p>
             <a:fld id="{D68DCEDE-221D-4BDF-A183-BA38A9275A5C}" type="datetimeFigureOut">
               <a:rPr lang="en-US" smtClean="0"/>
-              <a:t>1/14/2020</a:t>
+              <a:t>1/25/2020</a:t>
             </a:fld>
             <a:endParaRPr lang="en-US"/>
           </a:p>
@@ -2670,7 +2676,7 @@
           <a:p>
             <a:fld id="{D68DCEDE-221D-4BDF-A183-BA38A9275A5C}" type="datetimeFigureOut">
               <a:rPr lang="en-US" smtClean="0"/>
-              <a:t>1/14/2020</a:t>
+              <a:t>1/25/2020</a:t>
             </a:fld>
             <a:endParaRPr lang="en-US"/>
           </a:p>
@@ -2911,7 +2917,7 @@
           <a:p>
             <a:fld id="{D68DCEDE-221D-4BDF-A183-BA38A9275A5C}" type="datetimeFigureOut">
               <a:rPr lang="en-US" smtClean="0"/>
-              <a:t>1/14/2020</a:t>
+              <a:t>1/25/2020</a:t>
             </a:fld>
             <a:endParaRPr lang="en-US"/>
           </a:p>
@@ -3867,7 +3873,7 @@
             <a:pPr algn="ctr"/>
             <a:r>
               <a:rPr lang="en-US" sz="4000" dirty="0" err="1"/>
-              <a:t>DataBunch</a:t>
+              <a:t>DataLoaders</a:t>
             </a:r>
             <a:endParaRPr lang="en-US" sz="4000" dirty="0"/>
           </a:p>
@@ -3967,13 +3973,8 @@
             <a:pPr algn="ctr"/>
             <a:r>
               <a:rPr lang="en-US" sz="3600" dirty="0"/>
-              <a:t>Pipeline/</a:t>
-            </a:r>
-            <a:r>
-              <a:rPr lang="en-US" sz="3600" dirty="0" err="1"/>
-              <a:t>DataLoader</a:t>
-            </a:r>
-            <a:endParaRPr lang="en-US" sz="3600" dirty="0"/>
+              <a:t>Pipeline</a:t>
+            </a:r>
           </a:p>
         </p:txBody>
       </p:sp>
@@ -4023,7 +4024,7 @@
             </a:pPr>
             <a:r>
               <a:rPr lang="en-US" dirty="0" err="1"/>
-              <a:t>ImageDataBunch</a:t>
+              <a:t>ImageDataLoader</a:t>
             </a:r>
             <a:endParaRPr lang="en-US" dirty="0"/>
           </a:p>
@@ -4034,7 +4035,7 @@
             </a:pPr>
             <a:r>
               <a:rPr lang="en-US" dirty="0" err="1"/>
-              <a:t>SegmentationDatabunch</a:t>
+              <a:t>SegmentationDataLoader</a:t>
             </a:r>
             <a:endParaRPr lang="en-US" dirty="0"/>
           </a:p>
@@ -4045,7 +4046,7 @@
             </a:pPr>
             <a:r>
               <a:rPr lang="en-US" dirty="0" err="1"/>
-              <a:t>TextDataBunch</a:t>
+              <a:t>TextDataLoader</a:t>
             </a:r>
             <a:endParaRPr lang="en-US" dirty="0"/>
           </a:p>
@@ -4056,7 +4057,7 @@
             </a:pPr>
             <a:r>
               <a:rPr lang="en-US" dirty="0" err="1"/>
-              <a:t>TabularDataBunch</a:t>
+              <a:t>TabularDataLoader</a:t>
             </a:r>
             <a:endParaRPr lang="en-US" dirty="0"/>
           </a:p>
@@ -4450,7 +4451,7 @@
             <a:pPr algn="ctr"/>
             <a:r>
               <a:rPr lang="en-US" sz="3600" dirty="0" err="1"/>
-              <a:t>DataBunch</a:t>
+              <a:t>DataLoader</a:t>
             </a:r>
             <a:endParaRPr lang="en-US" sz="3600" dirty="0"/>
           </a:p>
@@ -6230,7 +6231,7 @@
             <a:pPr algn="ctr"/>
             <a:r>
               <a:rPr lang="en-US" sz="4000" dirty="0" err="1"/>
-              <a:t>DataBunch</a:t>
+              <a:t>DataLoader</a:t>
             </a:r>
             <a:endParaRPr lang="en-US" sz="4000" dirty="0"/>
           </a:p>
@@ -6562,6 +6563,129 @@
     <p:extLst>
       <p:ext uri="{BB962C8B-B14F-4D97-AF65-F5344CB8AC3E}">
         <p14:creationId xmlns:p14="http://schemas.microsoft.com/office/powerpoint/2010/main" val="4075255694"/>
+      </p:ext>
+    </p:extLst>
+  </p:cSld>
+  <p:clrMapOvr>
+    <a:masterClrMapping/>
+  </p:clrMapOvr>
+</p:sld>
+</file>
+
+<file path=ppt/slides/slide9.xml><?xml version="1.0" encoding="utf-8"?>
+<p:sld xmlns:a="http://schemas.openxmlformats.org/drawingml/2006/main" xmlns:r="http://schemas.openxmlformats.org/officeDocument/2006/relationships" xmlns:p="http://schemas.openxmlformats.org/presentationml/2006/main">
+  <p:cSld>
+    <p:spTree>
+      <p:nvGrpSpPr>
+        <p:cNvPr id="1" name=""/>
+        <p:cNvGrpSpPr/>
+        <p:nvPr/>
+      </p:nvGrpSpPr>
+      <p:grpSpPr>
+        <a:xfrm>
+          <a:off x="0" y="0"/>
+          <a:ext cx="0" cy="0"/>
+          <a:chOff x="0" y="0"/>
+          <a:chExt cx="0" cy="0"/>
+        </a:xfrm>
+      </p:grpSpPr>
+      <p:sp>
+        <p:nvSpPr>
+          <p:cNvPr id="2" name="Title 1">
+            <a:extLst>
+              <a:ext uri="{FF2B5EF4-FFF2-40B4-BE49-F238E27FC236}">
+                <a16:creationId xmlns:a16="http://schemas.microsoft.com/office/drawing/2014/main" id="{A6268C0D-B059-43A6-B2DB-7C1D212877B3}"/>
+              </a:ext>
+            </a:extLst>
+          </p:cNvPr>
+          <p:cNvSpPr>
+            <a:spLocks noGrp="1"/>
+          </p:cNvSpPr>
+          <p:nvPr>
+            <p:ph type="title"/>
+          </p:nvPr>
+        </p:nvSpPr>
+        <p:spPr/>
+        <p:txBody>
+          <a:bodyPr/>
+          <a:lstStyle/>
+          <a:p>
+            <a:r>
+              <a:rPr lang="en-US" dirty="0"/>
+              <a:t>GPU vs CPU Transforms:</a:t>
+            </a:r>
+          </a:p>
+        </p:txBody>
+      </p:sp>
+      <p:sp>
+        <p:nvSpPr>
+          <p:cNvPr id="3" name="Content Placeholder 2">
+            <a:extLst>
+              <a:ext uri="{FF2B5EF4-FFF2-40B4-BE49-F238E27FC236}">
+                <a16:creationId xmlns:a16="http://schemas.microsoft.com/office/drawing/2014/main" id="{AE95C93D-A6EE-4F4A-90EF-D9762E9AE7D6}"/>
+              </a:ext>
+            </a:extLst>
+          </p:cNvPr>
+          <p:cNvSpPr>
+            <a:spLocks noGrp="1"/>
+          </p:cNvSpPr>
+          <p:nvPr>
+            <p:ph idx="1"/>
+          </p:nvPr>
+        </p:nvSpPr>
+        <p:spPr/>
+        <p:txBody>
+          <a:bodyPr/>
+          <a:lstStyle/>
+          <a:p>
+            <a:r>
+              <a:rPr lang="en-US" dirty="0"/>
+              <a:t>CPU:</a:t>
+            </a:r>
+          </a:p>
+          <a:p>
+            <a:pPr lvl="1"/>
+            <a:r>
+              <a:rPr lang="en-US" dirty="0"/>
+              <a:t>Performed </a:t>
+            </a:r>
+            <a:r>
+              <a:rPr lang="en-US" b="1" dirty="0"/>
+              <a:t>first</a:t>
+            </a:r>
+            <a:endParaRPr lang="en-US" dirty="0"/>
+          </a:p>
+          <a:p>
+            <a:pPr lvl="1"/>
+            <a:r>
+              <a:rPr lang="en-US" dirty="0"/>
+              <a:t>Need to prepare for a batch (convert to a Tensor, ensure images/text/tabular data can all be collated together, aka they are the same size)</a:t>
+            </a:r>
+          </a:p>
+          <a:p>
+            <a:r>
+              <a:rPr lang="en-US" dirty="0"/>
+              <a:t>GPU:</a:t>
+            </a:r>
+          </a:p>
+          <a:p>
+            <a:pPr lvl="1"/>
+            <a:r>
+              <a:rPr lang="en-US" dirty="0"/>
+              <a:t>Apply to entire batches after collated together, like further resizing, cropping, normalizing the data, and other </a:t>
+            </a:r>
+            <a:r>
+              <a:rPr lang="en-US"/>
+              <a:t>data augmentation</a:t>
+            </a:r>
+            <a:endParaRPr lang="en-US" dirty="0"/>
+          </a:p>
+        </p:txBody>
+      </p:sp>
+    </p:spTree>
+    <p:extLst>
+      <p:ext uri="{BB962C8B-B14F-4D97-AF65-F5344CB8AC3E}">
+        <p14:creationId xmlns:p14="http://schemas.microsoft.com/office/powerpoint/2010/main" val="3533778697"/>
       </p:ext>
     </p:extLst>
   </p:cSld>
